--- a/Week5/NetworkLab/2018_BMI206_lab.pptx
+++ b/Week5/NetworkLab/2018_BMI206_lab.pptx
@@ -212,7 +212,7 @@
           <a:p>
             <a:fld id="{EC6E44A9-6B84-401E-B01D-13C48342711B}" type="datetimeFigureOut">
               <a:rPr lang="en-US" smtClean="0"/>
-              <a:t>11/21/18</a:t>
+              <a:t>11/30/23</a:t>
             </a:fld>
             <a:endParaRPr lang="en-US"/>
           </a:p>
@@ -1078,7 +1078,7 @@
           <a:p>
             <a:fld id="{CABE77B9-2509-48FD-A747-23A172346255}" type="datetimeFigureOut">
               <a:rPr lang="en-US" smtClean="0"/>
-              <a:t>11/21/18</a:t>
+              <a:t>11/30/23</a:t>
             </a:fld>
             <a:endParaRPr lang="en-US"/>
           </a:p>
@@ -1246,7 +1246,7 @@
           <a:p>
             <a:fld id="{CABE77B9-2509-48FD-A747-23A172346255}" type="datetimeFigureOut">
               <a:rPr lang="en-US" smtClean="0"/>
-              <a:t>11/21/18</a:t>
+              <a:t>11/30/23</a:t>
             </a:fld>
             <a:endParaRPr lang="en-US"/>
           </a:p>
@@ -1424,7 +1424,7 @@
           <a:p>
             <a:fld id="{CABE77B9-2509-48FD-A747-23A172346255}" type="datetimeFigureOut">
               <a:rPr lang="en-US" smtClean="0"/>
-              <a:t>11/21/18</a:t>
+              <a:t>11/30/23</a:t>
             </a:fld>
             <a:endParaRPr lang="en-US"/>
           </a:p>
@@ -1592,7 +1592,7 @@
           <a:p>
             <a:fld id="{CABE77B9-2509-48FD-A747-23A172346255}" type="datetimeFigureOut">
               <a:rPr lang="en-US" smtClean="0"/>
-              <a:t>11/21/18</a:t>
+              <a:t>11/30/23</a:t>
             </a:fld>
             <a:endParaRPr lang="en-US"/>
           </a:p>
@@ -1837,7 +1837,7 @@
           <a:p>
             <a:fld id="{CABE77B9-2509-48FD-A747-23A172346255}" type="datetimeFigureOut">
               <a:rPr lang="en-US" smtClean="0"/>
-              <a:t>11/21/18</a:t>
+              <a:t>11/30/23</a:t>
             </a:fld>
             <a:endParaRPr lang="en-US"/>
           </a:p>
@@ -2122,7 +2122,7 @@
           <a:p>
             <a:fld id="{CABE77B9-2509-48FD-A747-23A172346255}" type="datetimeFigureOut">
               <a:rPr lang="en-US" smtClean="0"/>
-              <a:t>11/21/18</a:t>
+              <a:t>11/30/23</a:t>
             </a:fld>
             <a:endParaRPr lang="en-US"/>
           </a:p>
@@ -2541,7 +2541,7 @@
           <a:p>
             <a:fld id="{CABE77B9-2509-48FD-A747-23A172346255}" type="datetimeFigureOut">
               <a:rPr lang="en-US" smtClean="0"/>
-              <a:t>11/21/18</a:t>
+              <a:t>11/30/23</a:t>
             </a:fld>
             <a:endParaRPr lang="en-US"/>
           </a:p>
@@ -2658,7 +2658,7 @@
           <a:p>
             <a:fld id="{CABE77B9-2509-48FD-A747-23A172346255}" type="datetimeFigureOut">
               <a:rPr lang="en-US" smtClean="0"/>
-              <a:t>11/21/18</a:t>
+              <a:t>11/30/23</a:t>
             </a:fld>
             <a:endParaRPr lang="en-US"/>
           </a:p>
@@ -2753,7 +2753,7 @@
           <a:p>
             <a:fld id="{CABE77B9-2509-48FD-A747-23A172346255}" type="datetimeFigureOut">
               <a:rPr lang="en-US" smtClean="0"/>
-              <a:t>11/21/18</a:t>
+              <a:t>11/30/23</a:t>
             </a:fld>
             <a:endParaRPr lang="en-US"/>
           </a:p>
@@ -3028,7 +3028,7 @@
           <a:p>
             <a:fld id="{CABE77B9-2509-48FD-A747-23A172346255}" type="datetimeFigureOut">
               <a:rPr lang="en-US" smtClean="0"/>
-              <a:t>11/21/18</a:t>
+              <a:t>11/30/23</a:t>
             </a:fld>
             <a:endParaRPr lang="en-US"/>
           </a:p>
@@ -3280,7 +3280,7 @@
           <a:p>
             <a:fld id="{CABE77B9-2509-48FD-A747-23A172346255}" type="datetimeFigureOut">
               <a:rPr lang="en-US" smtClean="0"/>
-              <a:t>11/21/18</a:t>
+              <a:t>11/30/23</a:t>
             </a:fld>
             <a:endParaRPr lang="en-US"/>
           </a:p>
@@ -3491,7 +3491,7 @@
           <a:p>
             <a:fld id="{CABE77B9-2509-48FD-A747-23A172346255}" type="datetimeFigureOut">
               <a:rPr lang="en-US" smtClean="0"/>
-              <a:t>11/21/18</a:t>
+              <a:t>11/30/23</a:t>
             </a:fld>
             <a:endParaRPr lang="en-US"/>
           </a:p>
@@ -4531,7 +4531,15 @@
             </a:pPr>
             <a:r>
               <a:rPr lang="en-US" sz="1800" dirty="0"/>
-              <a:t>Using Cytoscape, find the first order networks (p&lt;0.05) for each GWAS</a:t>
+              <a:t>Using </a:t>
+            </a:r>
+            <a:r>
+              <a:rPr lang="en-US" sz="1800" dirty="0" err="1"/>
+              <a:t>Cytoscape</a:t>
+            </a:r>
+            <a:r>
+              <a:rPr lang="en-US" sz="1800" dirty="0"/>
+              <a:t>, find the first order networks (p&lt;0.05) for each GWAS</a:t>
             </a:r>
           </a:p>
           <a:p>
